--- a/docs/diagrams/ThemeSequenceDiagram.pptx
+++ b/docs/diagrams/ThemeSequenceDiagram.pptx
@@ -213,7 +213,7 @@
           <a:p>
             <a:fld id="{F5CC4B3F-88C1-4FFA-B1B6-F41C21DC6924}" type="datetimeFigureOut">
               <a:rPr lang="en-US" smtClean="0"/>
-              <a:t>11-Nov-17</a:t>
+              <a:t>13-Nov-17</a:t>
             </a:fld>
             <a:endParaRPr lang="en-US"/>
           </a:p>
@@ -659,7 +659,7 @@
           <a:p>
             <a:fld id="{78C97017-6FC3-485B-9764-EAC9E56C1D49}" type="datetimeFigureOut">
               <a:rPr lang="en-US" smtClean="0"/>
-              <a:t>11-Nov-17</a:t>
+              <a:t>13-Nov-17</a:t>
             </a:fld>
             <a:endParaRPr lang="en-US"/>
           </a:p>
@@ -827,7 +827,7 @@
           <a:p>
             <a:fld id="{78C97017-6FC3-485B-9764-EAC9E56C1D49}" type="datetimeFigureOut">
               <a:rPr lang="en-US" smtClean="0"/>
-              <a:t>11-Nov-17</a:t>
+              <a:t>13-Nov-17</a:t>
             </a:fld>
             <a:endParaRPr lang="en-US"/>
           </a:p>
@@ -1005,7 +1005,7 @@
           <a:p>
             <a:fld id="{78C97017-6FC3-485B-9764-EAC9E56C1D49}" type="datetimeFigureOut">
               <a:rPr lang="en-US" smtClean="0"/>
-              <a:t>11-Nov-17</a:t>
+              <a:t>13-Nov-17</a:t>
             </a:fld>
             <a:endParaRPr lang="en-US"/>
           </a:p>
@@ -1173,7 +1173,7 @@
           <a:p>
             <a:fld id="{78C97017-6FC3-485B-9764-EAC9E56C1D49}" type="datetimeFigureOut">
               <a:rPr lang="en-US" smtClean="0"/>
-              <a:t>11-Nov-17</a:t>
+              <a:t>13-Nov-17</a:t>
             </a:fld>
             <a:endParaRPr lang="en-US"/>
           </a:p>
@@ -1418,7 +1418,7 @@
           <a:p>
             <a:fld id="{78C97017-6FC3-485B-9764-EAC9E56C1D49}" type="datetimeFigureOut">
               <a:rPr lang="en-US" smtClean="0"/>
-              <a:t>11-Nov-17</a:t>
+              <a:t>13-Nov-17</a:t>
             </a:fld>
             <a:endParaRPr lang="en-US"/>
           </a:p>
@@ -1703,7 +1703,7 @@
           <a:p>
             <a:fld id="{78C97017-6FC3-485B-9764-EAC9E56C1D49}" type="datetimeFigureOut">
               <a:rPr lang="en-US" smtClean="0"/>
-              <a:t>11-Nov-17</a:t>
+              <a:t>13-Nov-17</a:t>
             </a:fld>
             <a:endParaRPr lang="en-US"/>
           </a:p>
@@ -2122,7 +2122,7 @@
           <a:p>
             <a:fld id="{78C97017-6FC3-485B-9764-EAC9E56C1D49}" type="datetimeFigureOut">
               <a:rPr lang="en-US" smtClean="0"/>
-              <a:t>11-Nov-17</a:t>
+              <a:t>13-Nov-17</a:t>
             </a:fld>
             <a:endParaRPr lang="en-US"/>
           </a:p>
@@ -2239,7 +2239,7 @@
           <a:p>
             <a:fld id="{78C97017-6FC3-485B-9764-EAC9E56C1D49}" type="datetimeFigureOut">
               <a:rPr lang="en-US" smtClean="0"/>
-              <a:t>11-Nov-17</a:t>
+              <a:t>13-Nov-17</a:t>
             </a:fld>
             <a:endParaRPr lang="en-US"/>
           </a:p>
@@ -2334,7 +2334,7 @@
           <a:p>
             <a:fld id="{78C97017-6FC3-485B-9764-EAC9E56C1D49}" type="datetimeFigureOut">
               <a:rPr lang="en-US" smtClean="0"/>
-              <a:t>11-Nov-17</a:t>
+              <a:t>13-Nov-17</a:t>
             </a:fld>
             <a:endParaRPr lang="en-US"/>
           </a:p>
@@ -2609,7 +2609,7 @@
           <a:p>
             <a:fld id="{78C97017-6FC3-485B-9764-EAC9E56C1D49}" type="datetimeFigureOut">
               <a:rPr lang="en-US" smtClean="0"/>
-              <a:t>11-Nov-17</a:t>
+              <a:t>13-Nov-17</a:t>
             </a:fld>
             <a:endParaRPr lang="en-US"/>
           </a:p>
@@ -2861,7 +2861,7 @@
           <a:p>
             <a:fld id="{78C97017-6FC3-485B-9764-EAC9E56C1D49}" type="datetimeFigureOut">
               <a:rPr lang="en-US" smtClean="0"/>
-              <a:t>11-Nov-17</a:t>
+              <a:t>13-Nov-17</a:t>
             </a:fld>
             <a:endParaRPr lang="en-US"/>
           </a:p>
@@ -3072,7 +3072,7 @@
           <a:p>
             <a:fld id="{78C97017-6FC3-485B-9764-EAC9E56C1D49}" type="datetimeFigureOut">
               <a:rPr lang="en-US" smtClean="0"/>
-              <a:t>11-Nov-17</a:t>
+              <a:t>13-Nov-17</a:t>
             </a:fld>
             <a:endParaRPr lang="en-US"/>
           </a:p>
@@ -5001,7 +5001,7 @@
         </p:nvSpPr>
         <p:spPr>
           <a:xfrm>
-            <a:off x="6836946" y="3498940"/>
+            <a:off x="6838299" y="3969236"/>
             <a:ext cx="198555" cy="794359"/>
           </a:xfrm>
           <a:prstGeom prst="rect">
@@ -5182,8 +5182,8 @@
         </p:nvSpPr>
         <p:spPr>
           <a:xfrm>
-            <a:off x="4013162" y="3372785"/>
-            <a:ext cx="142006" cy="1036757"/>
+            <a:off x="4013162" y="3372786"/>
+            <a:ext cx="198476" cy="599322"/>
           </a:xfrm>
           <a:prstGeom prst="rect">
             <a:avLst/>
@@ -5240,13 +5240,15 @@
           </p:cNvPr>
           <p:cNvCxnSpPr>
             <a:cxnSpLocks/>
+            <a:stCxn id="58" idx="2"/>
+            <a:endCxn id="55" idx="0"/>
           </p:cNvCxnSpPr>
           <p:nvPr/>
         </p:nvCxnSpPr>
         <p:spPr>
-          <a:xfrm>
-            <a:off x="4155168" y="3505200"/>
-            <a:ext cx="2681778" cy="0"/>
+          <a:xfrm flipV="1">
+            <a:off x="4112400" y="3969236"/>
+            <a:ext cx="2825177" cy="2872"/>
           </a:xfrm>
           <a:prstGeom prst="straightConnector1">
             <a:avLst/>
@@ -5294,7 +5296,7 @@
         <p:spPr>
           <a:xfrm>
             <a:off x="1572859" y="3359238"/>
-            <a:ext cx="2511306" cy="13547"/>
+            <a:ext cx="2539541" cy="13548"/>
           </a:xfrm>
           <a:prstGeom prst="straightConnector1">
             <a:avLst/>
@@ -5606,7 +5608,7 @@
         </p:nvSpPr>
         <p:spPr>
           <a:xfrm>
-            <a:off x="4698964" y="3223549"/>
+            <a:off x="4777224" y="3714488"/>
             <a:ext cx="2110037" cy="215444"/>
           </a:xfrm>
           <a:prstGeom prst="rect">
@@ -5653,7 +5655,7 @@
         </p:nvGrpSpPr>
         <p:grpSpPr>
           <a:xfrm>
-            <a:off x="6936223" y="3616108"/>
+            <a:off x="6937576" y="4086404"/>
             <a:ext cx="341920" cy="494441"/>
             <a:chOff x="1147591" y="5662320"/>
             <a:chExt cx="100287" cy="175075"/>
@@ -5830,7 +5832,7 @@
         </p:nvSpPr>
         <p:spPr>
           <a:xfrm>
-            <a:off x="7355701" y="3697752"/>
+            <a:off x="7357054" y="4168048"/>
             <a:ext cx="981302" cy="215444"/>
           </a:xfrm>
           <a:prstGeom prst="rect">
